--- a/Week_09_Instructor_Choice/18_/slides/Animation.pptx
+++ b/Week_09_Instructor_Choice/18_/slides/Animation.pptx
@@ -301,7 +301,7 @@
           <a:p>
             <a:fld id="{755E012D-88F6-4C49-AF3C-89483E5FC823}" type="datetimeFigureOut">
               <a:rPr lang="en-US" smtClean="0"/>
-              <a:t>9/22/2013</a:t>
+              <a:t>9/23/2013</a:t>
             </a:fld>
             <a:endParaRPr lang="en-US"/>
           </a:p>
@@ -471,7 +471,7 @@
           <a:p>
             <a:fld id="{755E012D-88F6-4C49-AF3C-89483E5FC823}" type="datetimeFigureOut">
               <a:rPr lang="en-US" smtClean="0"/>
-              <a:t>9/22/2013</a:t>
+              <a:t>9/23/2013</a:t>
             </a:fld>
             <a:endParaRPr lang="en-US"/>
           </a:p>
@@ -651,7 +651,7 @@
           <a:p>
             <a:fld id="{755E012D-88F6-4C49-AF3C-89483E5FC823}" type="datetimeFigureOut">
               <a:rPr lang="en-US" smtClean="0"/>
-              <a:t>9/22/2013</a:t>
+              <a:t>9/23/2013</a:t>
             </a:fld>
             <a:endParaRPr lang="en-US"/>
           </a:p>
@@ -821,7 +821,7 @@
           <a:p>
             <a:fld id="{755E012D-88F6-4C49-AF3C-89483E5FC823}" type="datetimeFigureOut">
               <a:rPr lang="en-US" smtClean="0"/>
-              <a:t>9/22/2013</a:t>
+              <a:t>9/23/2013</a:t>
             </a:fld>
             <a:endParaRPr lang="en-US"/>
           </a:p>
@@ -1067,7 +1067,7 @@
           <a:p>
             <a:fld id="{755E012D-88F6-4C49-AF3C-89483E5FC823}" type="datetimeFigureOut">
               <a:rPr lang="en-US" smtClean="0"/>
-              <a:t>9/22/2013</a:t>
+              <a:t>9/23/2013</a:t>
             </a:fld>
             <a:endParaRPr lang="en-US"/>
           </a:p>
@@ -1355,7 +1355,7 @@
           <a:p>
             <a:fld id="{755E012D-88F6-4C49-AF3C-89483E5FC823}" type="datetimeFigureOut">
               <a:rPr lang="en-US" smtClean="0"/>
-              <a:t>9/22/2013</a:t>
+              <a:t>9/23/2013</a:t>
             </a:fld>
             <a:endParaRPr lang="en-US"/>
           </a:p>
@@ -1777,7 +1777,7 @@
           <a:p>
             <a:fld id="{755E012D-88F6-4C49-AF3C-89483E5FC823}" type="datetimeFigureOut">
               <a:rPr lang="en-US" smtClean="0"/>
-              <a:t>9/22/2013</a:t>
+              <a:t>9/23/2013</a:t>
             </a:fld>
             <a:endParaRPr lang="en-US"/>
           </a:p>
@@ -1895,7 +1895,7 @@
           <a:p>
             <a:fld id="{755E012D-88F6-4C49-AF3C-89483E5FC823}" type="datetimeFigureOut">
               <a:rPr lang="en-US" smtClean="0"/>
-              <a:t>9/22/2013</a:t>
+              <a:t>9/23/2013</a:t>
             </a:fld>
             <a:endParaRPr lang="en-US"/>
           </a:p>
@@ -1990,7 +1990,7 @@
           <a:p>
             <a:fld id="{755E012D-88F6-4C49-AF3C-89483E5FC823}" type="datetimeFigureOut">
               <a:rPr lang="en-US" smtClean="0"/>
-              <a:t>9/22/2013</a:t>
+              <a:t>9/23/2013</a:t>
             </a:fld>
             <a:endParaRPr lang="en-US"/>
           </a:p>
@@ -2267,7 +2267,7 @@
           <a:p>
             <a:fld id="{755E012D-88F6-4C49-AF3C-89483E5FC823}" type="datetimeFigureOut">
               <a:rPr lang="en-US" smtClean="0"/>
-              <a:t>9/22/2013</a:t>
+              <a:t>9/23/2013</a:t>
             </a:fld>
             <a:endParaRPr lang="en-US"/>
           </a:p>
@@ -2520,7 +2520,7 @@
           <a:p>
             <a:fld id="{755E012D-88F6-4C49-AF3C-89483E5FC823}" type="datetimeFigureOut">
               <a:rPr lang="en-US" smtClean="0"/>
-              <a:t>9/22/2013</a:t>
+              <a:t>9/23/2013</a:t>
             </a:fld>
             <a:endParaRPr lang="en-US"/>
           </a:p>
@@ -2733,7 +2733,7 @@
           <a:p>
             <a:fld id="{755E012D-88F6-4C49-AF3C-89483E5FC823}" type="datetimeFigureOut">
               <a:rPr lang="en-US" smtClean="0"/>
-              <a:t>9/22/2013</a:t>
+              <a:t>9/23/2013</a:t>
             </a:fld>
             <a:endParaRPr lang="en-US"/>
           </a:p>
@@ -3633,7 +3633,7 @@
         <p:spPr/>
         <p:txBody>
           <a:bodyPr>
-            <a:normAutofit lnSpcReduction="10000"/>
+            <a:normAutofit fontScale="85000" lnSpcReduction="10000"/>
           </a:bodyPr>
           <a:lstStyle/>
           <a:p>
@@ -3655,11 +3655,7 @@
             </a:r>
             <a:r>
               <a:rPr lang="en-US" dirty="0" smtClean="0"/>
-              <a:t>”,</a:t>
-            </a:r>
-            <a:r>
-              <a:rPr lang="en-US" dirty="0" smtClean="0"/>
-              <a:t> “.</a:t>
+              <a:t>”, “.</a:t>
             </a:r>
             <a:r>
               <a:rPr lang="en-US" dirty="0" err="1" smtClean="0"/>
@@ -3671,11 +3667,7 @@
             </a:r>
             <a:r>
               <a:rPr lang="en-US" dirty="0" err="1" smtClean="0"/>
-              <a:t>left”,</a:t>
-            </a:r>
-            <a:r>
-              <a:rPr lang="en-US" dirty="0" err="1" smtClean="0"/>
-              <a:t>function</a:t>
+              <a:t>left”,function</a:t>
             </a:r>
             <a:r>
               <a:rPr lang="en-US" dirty="0" smtClean="0"/>
@@ -3747,7 +3739,32 @@
             </a:r>
             <a:r>
               <a:rPr lang="en-US" dirty="0" smtClean="0"/>
-              <a:t> for animations</a:t>
+              <a:t> for </a:t>
+            </a:r>
+            <a:r>
+              <a:rPr lang="en-US" dirty="0" smtClean="0"/>
+              <a:t>animations</a:t>
+            </a:r>
+          </a:p>
+          <a:p>
+            <a:pPr marL="0" indent="0">
+              <a:buNone/>
+            </a:pPr>
+            <a:r>
+              <a:rPr lang="en-US" dirty="0" smtClean="0"/>
+              <a:t>*Instructor: example files do not include the on animation end or </a:t>
+            </a:r>
+            <a:r>
+              <a:rPr lang="en-US" dirty="0" err="1" smtClean="0"/>
+              <a:t>addClass</a:t>
+            </a:r>
+            <a:r>
+              <a:rPr lang="en-US" dirty="0" smtClean="0"/>
+              <a:t> to start it, both should be pasted in </a:t>
+            </a:r>
+            <a:r>
+              <a:rPr lang="en-US" smtClean="0"/>
+              <a:t>the console</a:t>
             </a:r>
             <a:endParaRPr lang="en-US" dirty="0"/>
           </a:p>
@@ -4107,10 +4124,6 @@
           <a:p>
             <a:pPr lvl="1"/>
             <a:r>
-              <a:rPr lang="en-US" dirty="0" smtClean="0"/>
-              <a:t>.</a:t>
-            </a:r>
-            <a:r>
               <a:rPr lang="en-US" dirty="0" err="1" smtClean="0"/>
               <a:t>img</a:t>
             </a:r>
@@ -4169,7 +4182,6 @@
               <a:rPr lang="en-US" dirty="0" smtClean="0"/>
               <a:t>-transition: margin-left 1s ease;</a:t>
             </a:r>
-            <a:endParaRPr lang="en-US" dirty="0" smtClean="0"/>
           </a:p>
           <a:p>
             <a:pPr marL="914400" lvl="2" indent="0">
@@ -4340,10 +4352,6 @@
             <a:pPr marL="57150" indent="0">
               <a:buNone/>
             </a:pPr>
-            <a:r>
-              <a:rPr lang="en-US" dirty="0" smtClean="0"/>
-              <a:t>.</a:t>
-            </a:r>
             <a:r>
               <a:rPr lang="en-US" dirty="0" err="1" smtClean="0"/>
               <a:t>img</a:t>
@@ -5406,7 +5414,6 @@
               <a:rPr lang="en-US" dirty="0" smtClean="0"/>
               <a:t>(0deg);</a:t>
             </a:r>
-            <a:endParaRPr lang="en-US" dirty="0" smtClean="0"/>
           </a:p>
           <a:p>
             <a:pPr marL="0" indent="0">
@@ -5473,15 +5480,7 @@
             </a:r>
             <a:r>
               <a:rPr lang="en-US" dirty="0" smtClean="0"/>
-              <a:t>(</a:t>
-            </a:r>
-            <a:r>
-              <a:rPr lang="en-US" dirty="0" smtClean="0"/>
-              <a:t>135</a:t>
-            </a:r>
-            <a:r>
-              <a:rPr lang="en-US" dirty="0" smtClean="0"/>
-              <a:t>deg); /* Safari and Chrome */</a:t>
+              <a:t>(135deg); /* Safari and Chrome */</a:t>
             </a:r>
           </a:p>
           <a:p>
@@ -5490,11 +5489,7 @@
             </a:pPr>
             <a:r>
               <a:rPr lang="en-US" dirty="0" smtClean="0"/>
-              <a:t>		</a:t>
-            </a:r>
-            <a:r>
-              <a:rPr lang="en-US" dirty="0" smtClean="0"/>
-              <a:t>transform: </a:t>
+              <a:t>		transform: </a:t>
             </a:r>
             <a:r>
               <a:rPr lang="en-US" dirty="0" err="1" smtClean="0"/>
@@ -5504,7 +5499,6 @@
               <a:rPr lang="en-US" dirty="0" smtClean="0"/>
               <a:t>(135deg);</a:t>
             </a:r>
-            <a:endParaRPr lang="en-US" dirty="0" smtClean="0"/>
           </a:p>
           <a:p>
             <a:pPr marL="0" indent="0">
@@ -5530,11 +5524,7 @@
             </a:pPr>
             <a:r>
               <a:rPr lang="en-US" dirty="0" smtClean="0"/>
-              <a:t>		</a:t>
-            </a:r>
-            <a:r>
-              <a:rPr lang="en-US" dirty="0" smtClean="0"/>
-              <a:t>-</a:t>
+              <a:t>		-</a:t>
             </a:r>
             <a:r>
               <a:rPr lang="en-US" dirty="0" err="1" smtClean="0"/>
@@ -5683,7 +5673,6 @@
               <a:rPr lang="en-US" dirty="0" smtClean="0"/>
               <a:t>(360deg);</a:t>
             </a:r>
-            <a:endParaRPr lang="en-US" dirty="0" smtClean="0"/>
           </a:p>
           <a:p>
             <a:pPr marL="0" indent="0">

--- a/Week_09_Instructor_Choice/18_/slides/Animation.pptx
+++ b/Week_09_Instructor_Choice/18_/slides/Animation.pptx
@@ -11,14 +11,15 @@
     <p:sldId id="259" r:id="rId5"/>
     <p:sldId id="262" r:id="rId6"/>
     <p:sldId id="261" r:id="rId7"/>
-    <p:sldId id="260" r:id="rId8"/>
-    <p:sldId id="263" r:id="rId9"/>
-    <p:sldId id="264" r:id="rId10"/>
-    <p:sldId id="265" r:id="rId11"/>
-    <p:sldId id="266" r:id="rId12"/>
-    <p:sldId id="267" r:id="rId13"/>
-    <p:sldId id="268" r:id="rId14"/>
-    <p:sldId id="269" r:id="rId15"/>
+    <p:sldId id="270" r:id="rId8"/>
+    <p:sldId id="260" r:id="rId9"/>
+    <p:sldId id="263" r:id="rId10"/>
+    <p:sldId id="264" r:id="rId11"/>
+    <p:sldId id="265" r:id="rId12"/>
+    <p:sldId id="266" r:id="rId13"/>
+    <p:sldId id="267" r:id="rId14"/>
+    <p:sldId id="268" r:id="rId15"/>
+    <p:sldId id="269" r:id="rId16"/>
   </p:sldIdLst>
   <p:sldSz cx="9144000" cy="6858000" type="screen4x3"/>
   <p:notesSz cx="6858000" cy="9144000"/>
@@ -3197,7 +3198,7 @@
           <a:p>
             <a:r>
               <a:rPr lang="en-US" dirty="0" smtClean="0"/>
-              <a:t>How do I use it?</a:t>
+              <a:t>Let’s break it down</a:t>
             </a:r>
             <a:endParaRPr lang="en-US" dirty="0"/>
           </a:p>
@@ -3216,88 +3217,88 @@
         <p:spPr/>
         <p:txBody>
           <a:bodyPr>
-            <a:normAutofit lnSpcReduction="10000"/>
+            <a:normAutofit fontScale="92500" lnSpcReduction="10000"/>
           </a:bodyPr>
           <a:lstStyle/>
           <a:p>
-            <a:pPr marL="0" indent="0">
-              <a:buNone/>
-            </a:pPr>
-            <a:r>
-              <a:rPr lang="en-US" dirty="0" smtClean="0"/>
-              <a:t>.thing-to-spin{</a:t>
-            </a:r>
-          </a:p>
-          <a:p>
-            <a:pPr marL="0" indent="0">
-              <a:buNone/>
-            </a:pPr>
-            <a:r>
-              <a:rPr lang="en-US" dirty="0" smtClean="0"/>
-              <a:t>	animation-name: spin-me;</a:t>
-            </a:r>
-          </a:p>
-          <a:p>
-            <a:pPr marL="0" indent="0">
-              <a:buNone/>
-            </a:pPr>
-            <a:r>
-              <a:rPr lang="en-US" dirty="0" smtClean="0"/>
-              <a:t>	animation-iteration-count: infinite;</a:t>
-            </a:r>
-          </a:p>
-          <a:p>
-            <a:pPr marL="0" indent="0">
-              <a:buNone/>
-            </a:pPr>
-            <a:r>
-              <a:rPr lang="en-US" dirty="0" smtClean="0"/>
-              <a:t>	animation-duration: 500ms;</a:t>
-            </a:r>
-          </a:p>
-          <a:p>
-            <a:pPr marL="0" indent="0">
-              <a:buNone/>
-            </a:pPr>
-            <a:r>
-              <a:rPr lang="en-US" dirty="0" smtClean="0"/>
-              <a:t>	animation-timing-function: linear;</a:t>
-            </a:r>
-          </a:p>
-          <a:p>
-            <a:pPr marL="0" indent="0">
-              <a:buNone/>
-            </a:pPr>
-            <a:r>
-              <a:rPr lang="en-US" dirty="0" smtClean="0"/>
-              <a:t>	animation-play-state: running;</a:t>
-            </a:r>
-          </a:p>
-          <a:p>
-            <a:pPr marL="0" indent="0">
-              <a:buNone/>
-            </a:pPr>
-            <a:r>
-              <a:rPr lang="en-US" dirty="0" smtClean="0"/>
-              <a:t>	animation-fill-mode: forwards;</a:t>
-            </a:r>
-          </a:p>
-          <a:p>
-            <a:pPr marL="0" indent="0">
-              <a:buNone/>
-            </a:pPr>
-            <a:r>
-              <a:rPr lang="en-US" dirty="0" smtClean="0"/>
-              <a:t>}</a:t>
-            </a:r>
-            <a:endParaRPr lang="en-US" dirty="0"/>
+            <a:r>
+              <a:rPr lang="en-US" dirty="0" smtClean="0"/>
+              <a:t>@</a:t>
+            </a:r>
+            <a:r>
+              <a:rPr lang="en-US" dirty="0" err="1" smtClean="0"/>
+              <a:t>keyframes</a:t>
+            </a:r>
+            <a:r>
+              <a:rPr lang="en-US" dirty="0" smtClean="0"/>
+              <a:t> </a:t>
+            </a:r>
+          </a:p>
+          <a:p>
+            <a:pPr lvl="1"/>
+            <a:r>
+              <a:rPr lang="en-US" dirty="0" smtClean="0"/>
+              <a:t>Says we want to set up an animation</a:t>
+            </a:r>
+          </a:p>
+          <a:p>
+            <a:r>
+              <a:rPr lang="en-US" dirty="0" smtClean="0"/>
+              <a:t>spin-me</a:t>
+            </a:r>
+          </a:p>
+          <a:p>
+            <a:pPr lvl="1"/>
+            <a:r>
+              <a:rPr lang="en-US" dirty="0" smtClean="0"/>
+              <a:t>The name of the animation (like a function name)</a:t>
+            </a:r>
+          </a:p>
+          <a:p>
+            <a:r>
+              <a:rPr lang="en-US" dirty="0" smtClean="0"/>
+              <a:t>0%,25%,50%,100%</a:t>
+            </a:r>
+          </a:p>
+          <a:p>
+            <a:pPr lvl="1"/>
+            <a:r>
+              <a:rPr lang="en-US" dirty="0" smtClean="0"/>
+              <a:t>Styles the animation should be at when it’s 25% complete, 50% complete, </a:t>
+            </a:r>
+            <a:r>
+              <a:rPr lang="en-US" dirty="0" err="1" smtClean="0"/>
+              <a:t>etc</a:t>
+            </a:r>
+            <a:endParaRPr lang="en-US" dirty="0" smtClean="0"/>
+          </a:p>
+          <a:p>
+            <a:pPr lvl="1"/>
+            <a:r>
+              <a:rPr lang="en-US" dirty="0" smtClean="0"/>
+              <a:t>Will transition between steps</a:t>
+            </a:r>
+          </a:p>
+          <a:p>
+            <a:pPr lvl="1"/>
+            <a:r>
+              <a:rPr lang="en-US" dirty="0" smtClean="0"/>
+              <a:t>You can also use from{} and to {} </a:t>
+            </a:r>
+          </a:p>
+          <a:p>
+            <a:pPr lvl="2"/>
+            <a:r>
+              <a:rPr lang="en-US" dirty="0" smtClean="0"/>
+              <a:t>Like using 0% and 100%</a:t>
+            </a:r>
           </a:p>
         </p:txBody>
       </p:sp>
     </p:spTree>
     <p:extLst>
       <p:ext uri="{BB962C8B-B14F-4D97-AF65-F5344CB8AC3E}">
-        <p14:creationId xmlns:p14="http://schemas.microsoft.com/office/powerpoint/2010/main" val="569728019"/>
+        <p14:creationId xmlns:p14="http://schemas.microsoft.com/office/powerpoint/2010/main" val="1709373773"/>
       </p:ext>
     </p:extLst>
   </p:cSld>
@@ -3348,7 +3349,7 @@
           <a:p>
             <a:r>
               <a:rPr lang="en-US" dirty="0" smtClean="0"/>
-              <a:t>Let’s break it down</a:t>
+              <a:t>How do I use it?</a:t>
             </a:r>
             <a:endParaRPr lang="en-US" dirty="0"/>
           </a:p>
@@ -3367,80 +3368,88 @@
         <p:spPr/>
         <p:txBody>
           <a:bodyPr>
-            <a:normAutofit fontScale="92500" lnSpcReduction="20000"/>
+            <a:normAutofit lnSpcReduction="10000"/>
           </a:bodyPr>
           <a:lstStyle/>
           <a:p>
-            <a:r>
-              <a:rPr lang="en-US" dirty="0" smtClean="0"/>
-              <a:t>animation-name: spin-me;</a:t>
-            </a:r>
-          </a:p>
-          <a:p>
-            <a:pPr lvl="1"/>
-            <a:r>
-              <a:rPr lang="en-US" dirty="0" smtClean="0"/>
-              <a:t>The animation we want to apply to the selected element (thing to spin)</a:t>
-            </a:r>
-          </a:p>
-          <a:p>
-            <a:r>
-              <a:rPr lang="en-US" dirty="0" smtClean="0"/>
-              <a:t>animation-iteration-count: infinite;</a:t>
-            </a:r>
-          </a:p>
-          <a:p>
-            <a:pPr lvl="1"/>
-            <a:r>
-              <a:rPr lang="en-US" dirty="0" smtClean="0"/>
-              <a:t>Number of times to run the animation (ex: 1 for an animation that runs only once)</a:t>
-            </a:r>
-          </a:p>
-          <a:p>
-            <a:r>
-              <a:rPr lang="en-US" dirty="0" smtClean="0"/>
-              <a:t>animation-duration: 500ms;</a:t>
-            </a:r>
-          </a:p>
-          <a:p>
-            <a:pPr lvl="1"/>
-            <a:r>
-              <a:rPr lang="en-US" dirty="0" smtClean="0"/>
-              <a:t>Time each animation cycle lasts</a:t>
-            </a:r>
-          </a:p>
-          <a:p>
-            <a:r>
-              <a:rPr lang="en-US" dirty="0" smtClean="0">
-                <a:hlinkClick r:id="rId2"/>
-              </a:rPr>
-              <a:t>http://www.w3schools.com/css3/css3_animations.asp</a:t>
-            </a:r>
-            <a:r>
-              <a:rPr lang="en-US" dirty="0" smtClean="0"/>
-              <a:t> for the others</a:t>
-            </a:r>
-          </a:p>
-          <a:p>
-            <a:r>
-              <a:rPr lang="en-US" dirty="0" smtClean="0"/>
-              <a:t>Safari/Chrome need –</a:t>
-            </a:r>
-            <a:r>
-              <a:rPr lang="en-US" dirty="0" err="1" smtClean="0"/>
-              <a:t>webkit</a:t>
-            </a:r>
-            <a:r>
-              <a:rPr lang="en-US" dirty="0" smtClean="0"/>
-              <a:t>- prefix</a:t>
-            </a:r>
+            <a:pPr marL="0" indent="0">
+              <a:buNone/>
+            </a:pPr>
+            <a:r>
+              <a:rPr lang="en-US" dirty="0" smtClean="0"/>
+              <a:t>.thing-to-spin{</a:t>
+            </a:r>
+          </a:p>
+          <a:p>
+            <a:pPr marL="0" indent="0">
+              <a:buNone/>
+            </a:pPr>
+            <a:r>
+              <a:rPr lang="en-US" dirty="0" smtClean="0"/>
+              <a:t>	animation-name: spin-me;</a:t>
+            </a:r>
+          </a:p>
+          <a:p>
+            <a:pPr marL="0" indent="0">
+              <a:buNone/>
+            </a:pPr>
+            <a:r>
+              <a:rPr lang="en-US" dirty="0" smtClean="0"/>
+              <a:t>	animation-iteration-count: infinite;</a:t>
+            </a:r>
+          </a:p>
+          <a:p>
+            <a:pPr marL="0" indent="0">
+              <a:buNone/>
+            </a:pPr>
+            <a:r>
+              <a:rPr lang="en-US" dirty="0" smtClean="0"/>
+              <a:t>	animation-duration: 500ms;</a:t>
+            </a:r>
+          </a:p>
+          <a:p>
+            <a:pPr marL="0" indent="0">
+              <a:buNone/>
+            </a:pPr>
+            <a:r>
+              <a:rPr lang="en-US" dirty="0" smtClean="0"/>
+              <a:t>	animation-timing-function: linear;</a:t>
+            </a:r>
+          </a:p>
+          <a:p>
+            <a:pPr marL="0" indent="0">
+              <a:buNone/>
+            </a:pPr>
+            <a:r>
+              <a:rPr lang="en-US" dirty="0" smtClean="0"/>
+              <a:t>	animation-play-state: running;</a:t>
+            </a:r>
+          </a:p>
+          <a:p>
+            <a:pPr marL="0" indent="0">
+              <a:buNone/>
+            </a:pPr>
+            <a:r>
+              <a:rPr lang="en-US" dirty="0" smtClean="0"/>
+              <a:t>	animation-fill-mode: forwards;</a:t>
+            </a:r>
+          </a:p>
+          <a:p>
+            <a:pPr marL="0" indent="0">
+              <a:buNone/>
+            </a:pPr>
+            <a:r>
+              <a:rPr lang="en-US" dirty="0" smtClean="0"/>
+              <a:t>}</a:t>
+            </a:r>
+            <a:endParaRPr lang="en-US" dirty="0"/>
           </a:p>
         </p:txBody>
       </p:sp>
     </p:spTree>
     <p:extLst>
       <p:ext uri="{BB962C8B-B14F-4D97-AF65-F5344CB8AC3E}">
-        <p14:creationId xmlns:p14="http://schemas.microsoft.com/office/powerpoint/2010/main" val="1041033484"/>
+        <p14:creationId xmlns:p14="http://schemas.microsoft.com/office/powerpoint/2010/main" val="569728019"/>
       </p:ext>
     </p:extLst>
   </p:cSld>
@@ -3491,7 +3500,7 @@
           <a:p>
             <a:r>
               <a:rPr lang="en-US" dirty="0" smtClean="0"/>
-              <a:t>Synching with actions</a:t>
+              <a:t>Let’s break it down</a:t>
             </a:r>
             <a:endParaRPr lang="en-US" dirty="0"/>
           </a:p>
@@ -3509,61 +3518,81 @@
         </p:nvSpPr>
         <p:spPr/>
         <p:txBody>
-          <a:bodyPr/>
-          <a:lstStyle/>
-          <a:p>
+          <a:bodyPr>
+            <a:normAutofit fontScale="92500" lnSpcReduction="20000"/>
+          </a:bodyPr>
+          <a:lstStyle/>
+          <a:p>
+            <a:r>
+              <a:rPr lang="en-US" dirty="0" smtClean="0"/>
+              <a:t>animation-name: spin-me;</a:t>
+            </a:r>
+          </a:p>
+          <a:p>
+            <a:pPr lvl="1"/>
+            <a:r>
+              <a:rPr lang="en-US" dirty="0" smtClean="0"/>
+              <a:t>The animation we want to apply to the selected element (thing to spin)</a:t>
+            </a:r>
+          </a:p>
+          <a:p>
+            <a:r>
+              <a:rPr lang="en-US" dirty="0" smtClean="0"/>
+              <a:t>animation-iteration-count: infinite;</a:t>
+            </a:r>
+          </a:p>
+          <a:p>
+            <a:pPr lvl="1"/>
+            <a:r>
+              <a:rPr lang="en-US" dirty="0" smtClean="0"/>
+              <a:t>Number of times to run the animation (ex: 1 for an animation that runs only once)</a:t>
+            </a:r>
+          </a:p>
+          <a:p>
+            <a:r>
+              <a:rPr lang="en-US" dirty="0" smtClean="0"/>
+              <a:t>animation-duration: 500ms;</a:t>
+            </a:r>
+          </a:p>
+          <a:p>
+            <a:pPr lvl="1"/>
+            <a:r>
+              <a:rPr lang="en-US" dirty="0" smtClean="0"/>
+              <a:t>Time each animation cycle lasts</a:t>
+            </a:r>
+          </a:p>
+          <a:p>
+            <a:r>
+              <a:rPr lang="en-US" dirty="0" smtClean="0">
+                <a:hlinkClick r:id="rId2"/>
+              </a:rPr>
+              <a:t>http://www.w3schools.com/css3/css3_animations.asp</a:t>
+            </a:r>
+            <a:r>
+              <a:rPr lang="en-US" dirty="0" smtClean="0"/>
+              <a:t> for the others</a:t>
+            </a:r>
+          </a:p>
+          <a:p>
+            <a:r>
+              <a:rPr lang="en-US" dirty="0" smtClean="0"/>
+              <a:t>Safari/Chrome need –</a:t>
+            </a:r>
             <a:r>
               <a:rPr lang="en-US" dirty="0" err="1" smtClean="0"/>
-              <a:t>transitionEnd</a:t>
-            </a:r>
-            <a:r>
-              <a:rPr lang="en-US" dirty="0" smtClean="0"/>
-              <a:t> event fires on transition completion</a:t>
-            </a:r>
-          </a:p>
-          <a:p>
-            <a:r>
-              <a:rPr lang="en-US" dirty="0" smtClean="0"/>
-              <a:t>Example </a:t>
-            </a:r>
-            <a:r>
-              <a:rPr lang="en-US" dirty="0" err="1" smtClean="0"/>
-              <a:t>pseudocode</a:t>
-            </a:r>
-            <a:r>
-              <a:rPr lang="en-US" dirty="0" smtClean="0"/>
-              <a:t> for an image slider</a:t>
-            </a:r>
-          </a:p>
-          <a:p>
-            <a:pPr lvl="1"/>
-            <a:r>
-              <a:rPr lang="en-US" dirty="0" smtClean="0"/>
-              <a:t>Add </a:t>
-            </a:r>
-            <a:r>
-              <a:rPr lang="en-US" dirty="0" err="1" smtClean="0"/>
-              <a:t>img</a:t>
-            </a:r>
-            <a:r>
-              <a:rPr lang="en-US" dirty="0" smtClean="0"/>
-              <a:t>-move-left class to move image left</a:t>
-            </a:r>
-          </a:p>
-          <a:p>
-            <a:pPr lvl="1"/>
-            <a:r>
-              <a:rPr lang="en-US" dirty="0" smtClean="0"/>
-              <a:t>On transition end, take the image that was slid left and place it after the other images (take from the front of the line and move to the back)</a:t>
-            </a:r>
-            <a:endParaRPr lang="en-US" dirty="0"/>
+              <a:t>webkit</a:t>
+            </a:r>
+            <a:r>
+              <a:rPr lang="en-US" dirty="0" smtClean="0"/>
+              <a:t>- prefix</a:t>
+            </a:r>
           </a:p>
         </p:txBody>
       </p:sp>
     </p:spTree>
     <p:extLst>
       <p:ext uri="{BB962C8B-B14F-4D97-AF65-F5344CB8AC3E}">
-        <p14:creationId xmlns:p14="http://schemas.microsoft.com/office/powerpoint/2010/main" val="2475315672"/>
+        <p14:creationId xmlns:p14="http://schemas.microsoft.com/office/powerpoint/2010/main" val="1041033484"/>
       </p:ext>
     </p:extLst>
   </p:cSld>
@@ -3614,6 +3643,129 @@
           <a:p>
             <a:r>
               <a:rPr lang="en-US" dirty="0" smtClean="0"/>
+              <a:t>Synching with actions</a:t>
+            </a:r>
+            <a:endParaRPr lang="en-US" dirty="0"/>
+          </a:p>
+        </p:txBody>
+      </p:sp>
+      <p:sp>
+        <p:nvSpPr>
+          <p:cNvPr id="3" name="Content Placeholder 2"/>
+          <p:cNvSpPr>
+            <a:spLocks noGrp="1"/>
+          </p:cNvSpPr>
+          <p:nvPr>
+            <p:ph idx="1"/>
+          </p:nvPr>
+        </p:nvSpPr>
+        <p:spPr/>
+        <p:txBody>
+          <a:bodyPr/>
+          <a:lstStyle/>
+          <a:p>
+            <a:r>
+              <a:rPr lang="en-US" dirty="0" err="1" smtClean="0"/>
+              <a:t>transitionEnd</a:t>
+            </a:r>
+            <a:r>
+              <a:rPr lang="en-US" dirty="0" smtClean="0"/>
+              <a:t> event fires on transition completion</a:t>
+            </a:r>
+          </a:p>
+          <a:p>
+            <a:r>
+              <a:rPr lang="en-US" dirty="0" smtClean="0"/>
+              <a:t>Example </a:t>
+            </a:r>
+            <a:r>
+              <a:rPr lang="en-US" dirty="0" err="1" smtClean="0"/>
+              <a:t>pseudocode</a:t>
+            </a:r>
+            <a:r>
+              <a:rPr lang="en-US" dirty="0" smtClean="0"/>
+              <a:t> for an image slider</a:t>
+            </a:r>
+          </a:p>
+          <a:p>
+            <a:pPr lvl="1"/>
+            <a:r>
+              <a:rPr lang="en-US" dirty="0" smtClean="0"/>
+              <a:t>Add </a:t>
+            </a:r>
+            <a:r>
+              <a:rPr lang="en-US" dirty="0" err="1" smtClean="0"/>
+              <a:t>img</a:t>
+            </a:r>
+            <a:r>
+              <a:rPr lang="en-US" dirty="0" smtClean="0"/>
+              <a:t>-move-left class to move image left</a:t>
+            </a:r>
+          </a:p>
+          <a:p>
+            <a:pPr lvl="1"/>
+            <a:r>
+              <a:rPr lang="en-US" dirty="0" smtClean="0"/>
+              <a:t>On transition end, take the image that was slid left and place it after the other images (take from the front of the line and move to the back)</a:t>
+            </a:r>
+            <a:endParaRPr lang="en-US" dirty="0"/>
+          </a:p>
+        </p:txBody>
+      </p:sp>
+    </p:spTree>
+    <p:extLst>
+      <p:ext uri="{BB962C8B-B14F-4D97-AF65-F5344CB8AC3E}">
+        <p14:creationId xmlns:p14="http://schemas.microsoft.com/office/powerpoint/2010/main" val="2475315672"/>
+      </p:ext>
+    </p:extLst>
+  </p:cSld>
+  <p:clrMapOvr>
+    <a:masterClrMapping/>
+  </p:clrMapOvr>
+  <p:timing>
+    <p:tnLst>
+      <p:par>
+        <p:cTn id="1" dur="indefinite" restart="never" nodeType="tmRoot"/>
+      </p:par>
+    </p:tnLst>
+  </p:timing>
+</p:sld>
+</file>
+
+<file path=ppt/slides/slide14.xml><?xml version="1.0" encoding="utf-8"?>
+<p:sld xmlns:a="http://schemas.openxmlformats.org/drawingml/2006/main" xmlns:r="http://schemas.openxmlformats.org/officeDocument/2006/relationships" xmlns:p="http://schemas.openxmlformats.org/presentationml/2006/main">
+  <p:cSld>
+    <p:spTree>
+      <p:nvGrpSpPr>
+        <p:cNvPr id="1" name=""/>
+        <p:cNvGrpSpPr/>
+        <p:nvPr/>
+      </p:nvGrpSpPr>
+      <p:grpSpPr>
+        <a:xfrm>
+          <a:off x="0" y="0"/>
+          <a:ext cx="0" cy="0"/>
+          <a:chOff x="0" y="0"/>
+          <a:chExt cx="0" cy="0"/>
+        </a:xfrm>
+      </p:grpSpPr>
+      <p:sp>
+        <p:nvSpPr>
+          <p:cNvPr id="2" name="Title 1"/>
+          <p:cNvSpPr>
+            <a:spLocks noGrp="1"/>
+          </p:cNvSpPr>
+          <p:nvPr>
+            <p:ph type="title"/>
+          </p:nvPr>
+        </p:nvSpPr>
+        <p:spPr/>
+        <p:txBody>
+          <a:bodyPr/>
+          <a:lstStyle/>
+          <a:p>
+            <a:r>
+              <a:rPr lang="en-US" dirty="0" smtClean="0"/>
               <a:t>Example</a:t>
             </a:r>
             <a:endParaRPr lang="en-US" dirty="0"/>
@@ -3739,11 +3891,7 @@
             </a:r>
             <a:r>
               <a:rPr lang="en-US" dirty="0" smtClean="0"/>
-              <a:t> for </a:t>
-            </a:r>
-            <a:r>
-              <a:rPr lang="en-US" dirty="0" smtClean="0"/>
-              <a:t>animations</a:t>
+              <a:t> for animations</a:t>
             </a:r>
           </a:p>
           <a:p>
@@ -3760,11 +3908,7 @@
             </a:r>
             <a:r>
               <a:rPr lang="en-US" dirty="0" smtClean="0"/>
-              <a:t> to start it, both should be pasted in </a:t>
-            </a:r>
-            <a:r>
-              <a:rPr lang="en-US" smtClean="0"/>
-              <a:t>the console</a:t>
+              <a:t> to start it, both should be pasted in the console</a:t>
             </a:r>
             <a:endParaRPr lang="en-US" dirty="0"/>
           </a:p>
@@ -3790,7 +3934,7 @@
 </p:sld>
 </file>
 
-<file path=ppt/slides/slide14.xml><?xml version="1.0" encoding="utf-8"?>
+<file path=ppt/slides/slide15.xml><?xml version="1.0" encoding="utf-8"?>
 <p:sld xmlns:a="http://schemas.openxmlformats.org/drawingml/2006/main" xmlns:r="http://schemas.openxmlformats.org/officeDocument/2006/relationships" xmlns:p="http://schemas.openxmlformats.org/presentationml/2006/main">
   <p:cSld>
     <p:spTree>
@@ -5162,22 +5306,22 @@
       </p:grpSpPr>
       <p:sp>
         <p:nvSpPr>
-          <p:cNvPr id="2" name="Title 1"/>
-          <p:cNvSpPr>
-            <a:spLocks noGrp="1"/>
-          </p:cNvSpPr>
-          <p:nvPr>
-            <p:ph type="title"/>
-          </p:nvPr>
-        </p:nvSpPr>
-        <p:spPr/>
-        <p:txBody>
-          <a:bodyPr/>
-          <a:lstStyle/>
-          <a:p>
-            <a:r>
-              <a:rPr lang="en-US" dirty="0" smtClean="0"/>
-              <a:t>CSS Animations</a:t>
+          <p:cNvPr id="4" name="Title 3"/>
+          <p:cNvSpPr>
+            <a:spLocks noGrp="1"/>
+          </p:cNvSpPr>
+          <p:nvPr>
+            <p:ph type="ctrTitle"/>
+          </p:nvPr>
+        </p:nvSpPr>
+        <p:spPr/>
+        <p:txBody>
+          <a:bodyPr/>
+          <a:lstStyle/>
+          <a:p>
+            <a:r>
+              <a:rPr lang="en-US" dirty="0" smtClean="0"/>
+              <a:t>Example	</a:t>
             </a:r>
             <a:endParaRPr lang="en-US" dirty="0"/>
           </a:p>
@@ -5185,76 +5329,41 @@
       </p:sp>
       <p:sp>
         <p:nvSpPr>
-          <p:cNvPr id="3" name="Content Placeholder 2"/>
-          <p:cNvSpPr>
-            <a:spLocks noGrp="1"/>
-          </p:cNvSpPr>
-          <p:nvPr>
-            <p:ph idx="1"/>
-          </p:nvPr>
-        </p:nvSpPr>
-        <p:spPr/>
-        <p:txBody>
-          <a:bodyPr/>
-          <a:lstStyle/>
-          <a:p>
-            <a:r>
-              <a:rPr lang="en-US" dirty="0" smtClean="0"/>
-              <a:t>What if I want to do something more complex than switch between two classes?</a:t>
-            </a:r>
-          </a:p>
-          <a:p>
-            <a:r>
-              <a:rPr lang="en-US" dirty="0" smtClean="0"/>
-              <a:t>@</a:t>
-            </a:r>
+          <p:cNvPr id="5" name="Subtitle 4"/>
+          <p:cNvSpPr>
+            <a:spLocks noGrp="1"/>
+          </p:cNvSpPr>
+          <p:nvPr>
+            <p:ph type="subTitle" idx="1"/>
+          </p:nvPr>
+        </p:nvSpPr>
+        <p:spPr/>
+        <p:txBody>
+          <a:bodyPr/>
+          <a:lstStyle/>
+          <a:p>
             <a:r>
               <a:rPr lang="en-US" dirty="0" err="1" smtClean="0"/>
-              <a:t>keyframes</a:t>
-            </a:r>
-            <a:r>
-              <a:rPr lang="en-US" dirty="0" smtClean="0"/>
-              <a:t> allows us to define animations</a:t>
-            </a:r>
-          </a:p>
-          <a:p>
-            <a:r>
-              <a:rPr lang="en-US" dirty="0" smtClean="0"/>
-              <a:t>The next example shows how we could create an image that spins around at different speeds</a:t>
-            </a:r>
-          </a:p>
-          <a:p>
-            <a:r>
-              <a:rPr lang="en-US" dirty="0" smtClean="0"/>
-              <a:t>Think about how we could do this if we just had transitions (no animation)</a:t>
+              <a:t>COA_Examples</a:t>
+            </a:r>
+            <a:r>
+              <a:rPr lang="en-US" dirty="0" smtClean="0"/>
+              <a:t>/transition</a:t>
             </a:r>
             <a:endParaRPr lang="en-US" dirty="0"/>
-          </a:p>
-          <a:p>
-            <a:pPr marL="0" indent="0">
-              <a:buNone/>
-            </a:pPr>
-            <a:endParaRPr lang="en-US" dirty="0" smtClean="0"/>
           </a:p>
         </p:txBody>
       </p:sp>
     </p:spTree>
     <p:extLst>
       <p:ext uri="{BB962C8B-B14F-4D97-AF65-F5344CB8AC3E}">
-        <p14:creationId xmlns:p14="http://schemas.microsoft.com/office/powerpoint/2010/main" val="2886059824"/>
+        <p14:creationId xmlns:p14="http://schemas.microsoft.com/office/powerpoint/2010/main" val="1994678279"/>
       </p:ext>
     </p:extLst>
   </p:cSld>
   <p:clrMapOvr>
     <a:masterClrMapping/>
   </p:clrMapOvr>
-  <p:timing>
-    <p:tnLst>
-      <p:par>
-        <p:cTn id="1" dur="indefinite" restart="never" nodeType="tmRoot"/>
-      </p:par>
-    </p:tnLst>
-  </p:timing>
 </p:sld>
 </file>
 
@@ -5292,7 +5401,7 @@
           <a:p>
             <a:r>
               <a:rPr lang="en-US" dirty="0" smtClean="0"/>
-              <a:t>Example</a:t>
+              <a:t>CSS Animations</a:t>
             </a:r>
             <a:endParaRPr lang="en-US" dirty="0"/>
           </a:p>
@@ -5310,14 +5419,15 @@
         </p:nvSpPr>
         <p:spPr/>
         <p:txBody>
-          <a:bodyPr>
-            <a:normAutofit fontScale="40000" lnSpcReduction="20000"/>
-          </a:bodyPr>
-          <a:lstStyle/>
-          <a:p>
-            <a:pPr marL="0" indent="0">
-              <a:buNone/>
-            </a:pPr>
+          <a:bodyPr/>
+          <a:lstStyle/>
+          <a:p>
+            <a:r>
+              <a:rPr lang="en-US" dirty="0" smtClean="0"/>
+              <a:t>What if I want to do something more complex than switch between two classes?</a:t>
+            </a:r>
+          </a:p>
+          <a:p>
             <a:r>
               <a:rPr lang="en-US" dirty="0" smtClean="0"/>
               <a:t>@</a:t>
@@ -5328,377 +5438,34 @@
             </a:r>
             <a:r>
               <a:rPr lang="en-US" dirty="0" smtClean="0"/>
-              <a:t>  spin-me{</a:t>
-            </a:r>
+              <a:t> allows us to define animations</a:t>
+            </a:r>
+          </a:p>
+          <a:p>
+            <a:r>
+              <a:rPr lang="en-US" dirty="0" smtClean="0"/>
+              <a:t>The next example shows how we could create an image that spins around at different speeds</a:t>
+            </a:r>
+          </a:p>
+          <a:p>
+            <a:r>
+              <a:rPr lang="en-US" dirty="0" smtClean="0"/>
+              <a:t>Think about how we could do this if we just had transitions (no animation)</a:t>
+            </a:r>
+            <a:endParaRPr lang="en-US" dirty="0"/>
           </a:p>
           <a:p>
             <a:pPr marL="0" indent="0">
               <a:buNone/>
             </a:pPr>
-            <a:r>
-              <a:rPr lang="en-US" dirty="0"/>
-              <a:t>	</a:t>
-            </a:r>
-            <a:r>
-              <a:rPr lang="en-US" dirty="0" smtClean="0"/>
-              <a:t>0% {</a:t>
-            </a:r>
-          </a:p>
-          <a:p>
-            <a:pPr marL="0" indent="0">
-              <a:buNone/>
-            </a:pPr>
-            <a:r>
-              <a:rPr lang="en-US" dirty="0"/>
-              <a:t>	</a:t>
-            </a:r>
-            <a:r>
-              <a:rPr lang="en-US" dirty="0" smtClean="0"/>
-              <a:t>	-</a:t>
-            </a:r>
-            <a:r>
-              <a:rPr lang="en-US" dirty="0" err="1" smtClean="0"/>
-              <a:t>ms</a:t>
-            </a:r>
-            <a:r>
-              <a:rPr lang="en-US" dirty="0" smtClean="0"/>
-              <a:t>-transform: </a:t>
-            </a:r>
-            <a:r>
-              <a:rPr lang="en-US" dirty="0" err="1" smtClean="0"/>
-              <a:t>rotateZ</a:t>
-            </a:r>
-            <a:r>
-              <a:rPr lang="en-US" dirty="0" smtClean="0"/>
-              <a:t>(0deg); /* IE 9 */</a:t>
-            </a:r>
-          </a:p>
-          <a:p>
-            <a:pPr marL="0" indent="0">
-              <a:buNone/>
-            </a:pPr>
-            <a:r>
-              <a:rPr lang="en-US" dirty="0" smtClean="0"/>
-              <a:t>		-</a:t>
-            </a:r>
-            <a:r>
-              <a:rPr lang="en-US" dirty="0" err="1" smtClean="0"/>
-              <a:t>webkit</a:t>
-            </a:r>
-            <a:r>
-              <a:rPr lang="en-US" dirty="0" smtClean="0"/>
-              <a:t>-transform: </a:t>
-            </a:r>
-            <a:r>
-              <a:rPr lang="en-US" dirty="0" err="1" smtClean="0"/>
-              <a:t>rotateZ</a:t>
-            </a:r>
-            <a:r>
-              <a:rPr lang="en-US" dirty="0" smtClean="0"/>
-              <a:t>(0deg); /* Safari and Chrome */</a:t>
-            </a:r>
-          </a:p>
-          <a:p>
-            <a:pPr marL="0" indent="0">
-              <a:buNone/>
-            </a:pPr>
-            <a:r>
-              <a:rPr lang="en-US" dirty="0" smtClean="0"/>
-              <a:t>		transform: </a:t>
-            </a:r>
-            <a:r>
-              <a:rPr lang="en-US" dirty="0" err="1" smtClean="0"/>
-              <a:t>rotateZ</a:t>
-            </a:r>
-            <a:r>
-              <a:rPr lang="en-US" dirty="0" smtClean="0"/>
-              <a:t>(0deg);</a:t>
-            </a:r>
-          </a:p>
-          <a:p>
-            <a:pPr marL="0" indent="0">
-              <a:buNone/>
-            </a:pPr>
-            <a:r>
-              <a:rPr lang="en-US" dirty="0" smtClean="0"/>
-              <a:t>	}</a:t>
-            </a:r>
-          </a:p>
-          <a:p>
-            <a:pPr marL="0" indent="0">
-              <a:buNone/>
-            </a:pPr>
-            <a:r>
-              <a:rPr lang="en-US" dirty="0" smtClean="0"/>
-              <a:t>	25% {</a:t>
-            </a:r>
-          </a:p>
-          <a:p>
-            <a:pPr marL="0" indent="0">
-              <a:buNone/>
-            </a:pPr>
-            <a:r>
-              <a:rPr lang="en-US" dirty="0" smtClean="0"/>
-              <a:t>		-</a:t>
-            </a:r>
-            <a:r>
-              <a:rPr lang="en-US" dirty="0" err="1" smtClean="0"/>
-              <a:t>ms</a:t>
-            </a:r>
-            <a:r>
-              <a:rPr lang="en-US" dirty="0" smtClean="0"/>
-              <a:t>-transform: </a:t>
-            </a:r>
-            <a:r>
-              <a:rPr lang="en-US" dirty="0" err="1" smtClean="0"/>
-              <a:t>rotateZ</a:t>
-            </a:r>
-            <a:r>
-              <a:rPr lang="en-US" dirty="0" smtClean="0"/>
-              <a:t>(135deg); /* IE 9 */</a:t>
-            </a:r>
-          </a:p>
-          <a:p>
-            <a:pPr marL="0" indent="0">
-              <a:buNone/>
-            </a:pPr>
-            <a:r>
-              <a:rPr lang="en-US" dirty="0" smtClean="0"/>
-              <a:t>		-</a:t>
-            </a:r>
-            <a:r>
-              <a:rPr lang="en-US" dirty="0" err="1" smtClean="0"/>
-              <a:t>webkit</a:t>
-            </a:r>
-            <a:r>
-              <a:rPr lang="en-US" dirty="0" smtClean="0"/>
-              <a:t>-transform: </a:t>
-            </a:r>
-            <a:r>
-              <a:rPr lang="en-US" dirty="0" err="1" smtClean="0"/>
-              <a:t>rotateZ</a:t>
-            </a:r>
-            <a:r>
-              <a:rPr lang="en-US" dirty="0" smtClean="0"/>
-              <a:t>(135deg); /* Safari and Chrome */</a:t>
-            </a:r>
-          </a:p>
-          <a:p>
-            <a:pPr marL="0" indent="0">
-              <a:buNone/>
-            </a:pPr>
-            <a:r>
-              <a:rPr lang="en-US" dirty="0" smtClean="0"/>
-              <a:t>		transform: </a:t>
-            </a:r>
-            <a:r>
-              <a:rPr lang="en-US" dirty="0" err="1" smtClean="0"/>
-              <a:t>rotateZ</a:t>
-            </a:r>
-            <a:r>
-              <a:rPr lang="en-US" dirty="0" smtClean="0"/>
-              <a:t>(135deg);</a:t>
-            </a:r>
-          </a:p>
-          <a:p>
-            <a:pPr marL="0" indent="0">
-              <a:buNone/>
-            </a:pPr>
-            <a:r>
-              <a:rPr lang="en-US" dirty="0" smtClean="0"/>
-              <a:t>	}</a:t>
-            </a:r>
-          </a:p>
-          <a:p>
-            <a:pPr marL="0" indent="0">
-              <a:buNone/>
-            </a:pPr>
-            <a:r>
-              <a:rPr lang="en-US" dirty="0" smtClean="0"/>
-              <a:t>	50% {</a:t>
-            </a:r>
-          </a:p>
-          <a:p>
-            <a:pPr marL="0" indent="0">
-              <a:buNone/>
-            </a:pPr>
-            <a:r>
-              <a:rPr lang="en-US" dirty="0" smtClean="0"/>
-              <a:t>		-</a:t>
-            </a:r>
-            <a:r>
-              <a:rPr lang="en-US" dirty="0" err="1" smtClean="0"/>
-              <a:t>ms</a:t>
-            </a:r>
-            <a:r>
-              <a:rPr lang="en-US" dirty="0" smtClean="0"/>
-              <a:t>-transform: </a:t>
-            </a:r>
-            <a:r>
-              <a:rPr lang="en-US" dirty="0" err="1" smtClean="0"/>
-              <a:t>rotateZ</a:t>
-            </a:r>
-            <a:r>
-              <a:rPr lang="en-US" dirty="0" smtClean="0"/>
-              <a:t>(270deg); /* IE 9 */</a:t>
-            </a:r>
-          </a:p>
-          <a:p>
-            <a:pPr marL="0" indent="0">
-              <a:buNone/>
-            </a:pPr>
-            <a:r>
-              <a:rPr lang="en-US" dirty="0" smtClean="0"/>
-              <a:t>		-</a:t>
-            </a:r>
-            <a:r>
-              <a:rPr lang="en-US" dirty="0" err="1" smtClean="0"/>
-              <a:t>webkit</a:t>
-            </a:r>
-            <a:r>
-              <a:rPr lang="en-US" dirty="0" smtClean="0"/>
-              <a:t>-transform: </a:t>
-            </a:r>
-            <a:r>
-              <a:rPr lang="en-US" dirty="0" err="1" smtClean="0"/>
-              <a:t>rotateZ</a:t>
-            </a:r>
-            <a:r>
-              <a:rPr lang="en-US" dirty="0" smtClean="0"/>
-              <a:t>(270deg); /* Safari and Chrome */</a:t>
-            </a:r>
-          </a:p>
-          <a:p>
-            <a:pPr marL="0" indent="0">
-              <a:buNone/>
-            </a:pPr>
-            <a:r>
-              <a:rPr lang="en-US" dirty="0" smtClean="0"/>
-              <a:t>		transform: </a:t>
-            </a:r>
-            <a:r>
-              <a:rPr lang="en-US" dirty="0" err="1" smtClean="0"/>
-              <a:t>rotateZ</a:t>
-            </a:r>
-            <a:r>
-              <a:rPr lang="en-US" dirty="0" smtClean="0"/>
-              <a:t>(270deg);</a:t>
-            </a:r>
-          </a:p>
-          <a:p>
-            <a:pPr marL="0" indent="0">
-              <a:buNone/>
-            </a:pPr>
-            <a:r>
-              <a:rPr lang="en-US" dirty="0" smtClean="0"/>
-              <a:t>	}</a:t>
-            </a:r>
-          </a:p>
-          <a:p>
-            <a:pPr marL="0" indent="0">
-              <a:buNone/>
-            </a:pPr>
-            <a:r>
-              <a:rPr lang="en-US" dirty="0" smtClean="0"/>
-              <a:t>	100% {</a:t>
-            </a:r>
-          </a:p>
-          <a:p>
-            <a:pPr marL="0" indent="0">
-              <a:buNone/>
-            </a:pPr>
-            <a:r>
-              <a:rPr lang="en-US" dirty="0"/>
-              <a:t>	</a:t>
-            </a:r>
-            <a:r>
-              <a:rPr lang="en-US" dirty="0" smtClean="0"/>
-              <a:t>	-</a:t>
-            </a:r>
-            <a:r>
-              <a:rPr lang="en-US" dirty="0" err="1" smtClean="0"/>
-              <a:t>ms</a:t>
-            </a:r>
-            <a:r>
-              <a:rPr lang="en-US" dirty="0" smtClean="0"/>
-              <a:t>-transform: </a:t>
-            </a:r>
-            <a:r>
-              <a:rPr lang="en-US" dirty="0" err="1" smtClean="0"/>
-              <a:t>rotateZ</a:t>
-            </a:r>
-            <a:r>
-              <a:rPr lang="en-US" dirty="0" smtClean="0"/>
-              <a:t>(360deg); /* IE 9 */</a:t>
-            </a:r>
-          </a:p>
-          <a:p>
-            <a:pPr marL="0" indent="0">
-              <a:buNone/>
-            </a:pPr>
-            <a:r>
-              <a:rPr lang="en-US" dirty="0" smtClean="0"/>
-              <a:t>		-</a:t>
-            </a:r>
-            <a:r>
-              <a:rPr lang="en-US" dirty="0" err="1" smtClean="0"/>
-              <a:t>webkit</a:t>
-            </a:r>
-            <a:r>
-              <a:rPr lang="en-US" dirty="0" smtClean="0"/>
-              <a:t>-transform: </a:t>
-            </a:r>
-            <a:r>
-              <a:rPr lang="en-US" dirty="0" err="1" smtClean="0"/>
-              <a:t>rotateZ</a:t>
-            </a:r>
-            <a:r>
-              <a:rPr lang="en-US" dirty="0" smtClean="0"/>
-              <a:t>(360deg); /* Safari and Chrome */</a:t>
-            </a:r>
-          </a:p>
-          <a:p>
-            <a:pPr marL="0" indent="0">
-              <a:buNone/>
-            </a:pPr>
-            <a:r>
-              <a:rPr lang="en-US" dirty="0" smtClean="0"/>
-              <a:t>		transform: </a:t>
-            </a:r>
-            <a:r>
-              <a:rPr lang="en-US" dirty="0" err="1" smtClean="0"/>
-              <a:t>rotateZ</a:t>
-            </a:r>
-            <a:r>
-              <a:rPr lang="en-US" dirty="0" smtClean="0"/>
-              <a:t>(360deg);</a:t>
-            </a:r>
-          </a:p>
-          <a:p>
-            <a:pPr marL="0" indent="0">
-              <a:buNone/>
-            </a:pPr>
-            <a:r>
-              <a:rPr lang="en-US" dirty="0" smtClean="0"/>
-              <a:t>	}</a:t>
-            </a:r>
-          </a:p>
-          <a:p>
-            <a:pPr marL="0" indent="0">
-              <a:buNone/>
-            </a:pPr>
-            <a:r>
-              <a:rPr lang="en-US" dirty="0" smtClean="0"/>
-              <a:t>}</a:t>
-            </a:r>
-            <a:endParaRPr lang="en-US" dirty="0"/>
+            <a:endParaRPr lang="en-US" dirty="0" smtClean="0"/>
           </a:p>
         </p:txBody>
       </p:sp>
     </p:spTree>
     <p:extLst>
       <p:ext uri="{BB962C8B-B14F-4D97-AF65-F5344CB8AC3E}">
-        <p14:creationId xmlns:p14="http://schemas.microsoft.com/office/powerpoint/2010/main" val="1565160745"/>
+        <p14:creationId xmlns:p14="http://schemas.microsoft.com/office/powerpoint/2010/main" val="2886059824"/>
       </p:ext>
     </p:extLst>
   </p:cSld>
@@ -5749,7 +5516,7 @@
           <a:p>
             <a:r>
               <a:rPr lang="en-US" dirty="0" smtClean="0"/>
-              <a:t>Let’s break it down</a:t>
+              <a:t>Example</a:t>
             </a:r>
             <a:endParaRPr lang="en-US" dirty="0"/>
           </a:p>
@@ -5768,10 +5535,13 @@
         <p:spPr/>
         <p:txBody>
           <a:bodyPr>
-            <a:normAutofit fontScale="92500" lnSpcReduction="10000"/>
+            <a:normAutofit fontScale="40000" lnSpcReduction="20000"/>
           </a:bodyPr>
           <a:lstStyle/>
           <a:p>
+            <a:pPr marL="0" indent="0">
+              <a:buNone/>
+            </a:pPr>
             <a:r>
               <a:rPr lang="en-US" dirty="0" smtClean="0"/>
               <a:t>@</a:t>
@@ -5782,74 +5552,377 @@
             </a:r>
             <a:r>
               <a:rPr lang="en-US" dirty="0" smtClean="0"/>
-              <a:t> </a:t>
-            </a:r>
-          </a:p>
-          <a:p>
-            <a:pPr lvl="1"/>
-            <a:r>
-              <a:rPr lang="en-US" dirty="0" smtClean="0"/>
-              <a:t>Says we want to set up an animation</a:t>
-            </a:r>
-          </a:p>
-          <a:p>
-            <a:r>
-              <a:rPr lang="en-US" dirty="0" smtClean="0"/>
-              <a:t>spin-me</a:t>
-            </a:r>
-          </a:p>
-          <a:p>
-            <a:pPr lvl="1"/>
-            <a:r>
-              <a:rPr lang="en-US" dirty="0" smtClean="0"/>
-              <a:t>The name of the animation (like a function name)</a:t>
-            </a:r>
-          </a:p>
-          <a:p>
-            <a:r>
-              <a:rPr lang="en-US" dirty="0" smtClean="0"/>
-              <a:t>0%,25%,50%,100%</a:t>
-            </a:r>
-          </a:p>
-          <a:p>
-            <a:pPr lvl="1"/>
-            <a:r>
-              <a:rPr lang="en-US" dirty="0" smtClean="0"/>
-              <a:t>Styles the animation should be at when it’s 25% complete, 50% complete, </a:t>
+              <a:t>  spin-me{</a:t>
+            </a:r>
+          </a:p>
+          <a:p>
+            <a:pPr marL="0" indent="0">
+              <a:buNone/>
+            </a:pPr>
+            <a:r>
+              <a:rPr lang="en-US" dirty="0"/>
+              <a:t>	</a:t>
+            </a:r>
+            <a:r>
+              <a:rPr lang="en-US" dirty="0" smtClean="0"/>
+              <a:t>0% {</a:t>
+            </a:r>
+          </a:p>
+          <a:p>
+            <a:pPr marL="0" indent="0">
+              <a:buNone/>
+            </a:pPr>
+            <a:r>
+              <a:rPr lang="en-US" dirty="0"/>
+              <a:t>	</a:t>
+            </a:r>
+            <a:r>
+              <a:rPr lang="en-US" dirty="0" smtClean="0"/>
+              <a:t>	-</a:t>
             </a:r>
             <a:r>
               <a:rPr lang="en-US" dirty="0" err="1" smtClean="0"/>
-              <a:t>etc</a:t>
-            </a:r>
-            <a:endParaRPr lang="en-US" dirty="0" smtClean="0"/>
-          </a:p>
-          <a:p>
-            <a:pPr lvl="1"/>
-            <a:r>
-              <a:rPr lang="en-US" dirty="0" smtClean="0"/>
-              <a:t>Will transition between steps</a:t>
-            </a:r>
-          </a:p>
-          <a:p>
-            <a:pPr lvl="1"/>
-            <a:r>
-              <a:rPr lang="en-US" dirty="0" smtClean="0"/>
-              <a:t>You can also use from{} and to {} </a:t>
-            </a:r>
-          </a:p>
-          <a:p>
-            <a:pPr lvl="2"/>
-            <a:r>
-              <a:rPr lang="en-US" dirty="0" smtClean="0"/>
-              <a:t>Like using 0% and 100%</a:t>
-            </a:r>
+              <a:t>ms</a:t>
+            </a:r>
+            <a:r>
+              <a:rPr lang="en-US" dirty="0" smtClean="0"/>
+              <a:t>-transform: </a:t>
+            </a:r>
+            <a:r>
+              <a:rPr lang="en-US" dirty="0" err="1" smtClean="0"/>
+              <a:t>rotateZ</a:t>
+            </a:r>
+            <a:r>
+              <a:rPr lang="en-US" dirty="0" smtClean="0"/>
+              <a:t>(0deg); /* IE 9 */</a:t>
+            </a:r>
+          </a:p>
+          <a:p>
+            <a:pPr marL="0" indent="0">
+              <a:buNone/>
+            </a:pPr>
+            <a:r>
+              <a:rPr lang="en-US" dirty="0" smtClean="0"/>
+              <a:t>		-</a:t>
+            </a:r>
+            <a:r>
+              <a:rPr lang="en-US" dirty="0" err="1" smtClean="0"/>
+              <a:t>webkit</a:t>
+            </a:r>
+            <a:r>
+              <a:rPr lang="en-US" dirty="0" smtClean="0"/>
+              <a:t>-transform: </a:t>
+            </a:r>
+            <a:r>
+              <a:rPr lang="en-US" dirty="0" err="1" smtClean="0"/>
+              <a:t>rotateZ</a:t>
+            </a:r>
+            <a:r>
+              <a:rPr lang="en-US" dirty="0" smtClean="0"/>
+              <a:t>(0deg); /* Safari and Chrome */</a:t>
+            </a:r>
+          </a:p>
+          <a:p>
+            <a:pPr marL="0" indent="0">
+              <a:buNone/>
+            </a:pPr>
+            <a:r>
+              <a:rPr lang="en-US" dirty="0" smtClean="0"/>
+              <a:t>		transform: </a:t>
+            </a:r>
+            <a:r>
+              <a:rPr lang="en-US" dirty="0" err="1" smtClean="0"/>
+              <a:t>rotateZ</a:t>
+            </a:r>
+            <a:r>
+              <a:rPr lang="en-US" dirty="0" smtClean="0"/>
+              <a:t>(0deg);</a:t>
+            </a:r>
+          </a:p>
+          <a:p>
+            <a:pPr marL="0" indent="0">
+              <a:buNone/>
+            </a:pPr>
+            <a:r>
+              <a:rPr lang="en-US" dirty="0" smtClean="0"/>
+              <a:t>	}</a:t>
+            </a:r>
+          </a:p>
+          <a:p>
+            <a:pPr marL="0" indent="0">
+              <a:buNone/>
+            </a:pPr>
+            <a:r>
+              <a:rPr lang="en-US" dirty="0" smtClean="0"/>
+              <a:t>	25% {</a:t>
+            </a:r>
+          </a:p>
+          <a:p>
+            <a:pPr marL="0" indent="0">
+              <a:buNone/>
+            </a:pPr>
+            <a:r>
+              <a:rPr lang="en-US" dirty="0" smtClean="0"/>
+              <a:t>		-</a:t>
+            </a:r>
+            <a:r>
+              <a:rPr lang="en-US" dirty="0" err="1" smtClean="0"/>
+              <a:t>ms</a:t>
+            </a:r>
+            <a:r>
+              <a:rPr lang="en-US" dirty="0" smtClean="0"/>
+              <a:t>-transform: </a:t>
+            </a:r>
+            <a:r>
+              <a:rPr lang="en-US" dirty="0" err="1" smtClean="0"/>
+              <a:t>rotateZ</a:t>
+            </a:r>
+            <a:r>
+              <a:rPr lang="en-US" dirty="0" smtClean="0"/>
+              <a:t>(135deg); /* IE 9 */</a:t>
+            </a:r>
+          </a:p>
+          <a:p>
+            <a:pPr marL="0" indent="0">
+              <a:buNone/>
+            </a:pPr>
+            <a:r>
+              <a:rPr lang="en-US" dirty="0" smtClean="0"/>
+              <a:t>		-</a:t>
+            </a:r>
+            <a:r>
+              <a:rPr lang="en-US" dirty="0" err="1" smtClean="0"/>
+              <a:t>webkit</a:t>
+            </a:r>
+            <a:r>
+              <a:rPr lang="en-US" dirty="0" smtClean="0"/>
+              <a:t>-transform: </a:t>
+            </a:r>
+            <a:r>
+              <a:rPr lang="en-US" dirty="0" err="1" smtClean="0"/>
+              <a:t>rotateZ</a:t>
+            </a:r>
+            <a:r>
+              <a:rPr lang="en-US" dirty="0" smtClean="0"/>
+              <a:t>(135deg); /* Safari and Chrome */</a:t>
+            </a:r>
+          </a:p>
+          <a:p>
+            <a:pPr marL="0" indent="0">
+              <a:buNone/>
+            </a:pPr>
+            <a:r>
+              <a:rPr lang="en-US" dirty="0" smtClean="0"/>
+              <a:t>		transform: </a:t>
+            </a:r>
+            <a:r>
+              <a:rPr lang="en-US" dirty="0" err="1" smtClean="0"/>
+              <a:t>rotateZ</a:t>
+            </a:r>
+            <a:r>
+              <a:rPr lang="en-US" dirty="0" smtClean="0"/>
+              <a:t>(135deg);</a:t>
+            </a:r>
+          </a:p>
+          <a:p>
+            <a:pPr marL="0" indent="0">
+              <a:buNone/>
+            </a:pPr>
+            <a:r>
+              <a:rPr lang="en-US" dirty="0" smtClean="0"/>
+              <a:t>	}</a:t>
+            </a:r>
+          </a:p>
+          <a:p>
+            <a:pPr marL="0" indent="0">
+              <a:buNone/>
+            </a:pPr>
+            <a:r>
+              <a:rPr lang="en-US" dirty="0" smtClean="0"/>
+              <a:t>	50% {</a:t>
+            </a:r>
+          </a:p>
+          <a:p>
+            <a:pPr marL="0" indent="0">
+              <a:buNone/>
+            </a:pPr>
+            <a:r>
+              <a:rPr lang="en-US" dirty="0" smtClean="0"/>
+              <a:t>		-</a:t>
+            </a:r>
+            <a:r>
+              <a:rPr lang="en-US" dirty="0" err="1" smtClean="0"/>
+              <a:t>ms</a:t>
+            </a:r>
+            <a:r>
+              <a:rPr lang="en-US" dirty="0" smtClean="0"/>
+              <a:t>-transform: </a:t>
+            </a:r>
+            <a:r>
+              <a:rPr lang="en-US" dirty="0" err="1" smtClean="0"/>
+              <a:t>rotateZ</a:t>
+            </a:r>
+            <a:r>
+              <a:rPr lang="en-US" dirty="0" smtClean="0"/>
+              <a:t>(270deg); /* IE 9 */</a:t>
+            </a:r>
+          </a:p>
+          <a:p>
+            <a:pPr marL="0" indent="0">
+              <a:buNone/>
+            </a:pPr>
+            <a:r>
+              <a:rPr lang="en-US" dirty="0" smtClean="0"/>
+              <a:t>		-</a:t>
+            </a:r>
+            <a:r>
+              <a:rPr lang="en-US" dirty="0" err="1" smtClean="0"/>
+              <a:t>webkit</a:t>
+            </a:r>
+            <a:r>
+              <a:rPr lang="en-US" dirty="0" smtClean="0"/>
+              <a:t>-transform: </a:t>
+            </a:r>
+            <a:r>
+              <a:rPr lang="en-US" dirty="0" err="1" smtClean="0"/>
+              <a:t>rotateZ</a:t>
+            </a:r>
+            <a:r>
+              <a:rPr lang="en-US" dirty="0" smtClean="0"/>
+              <a:t>(270deg); /* Safari and Chrome */</a:t>
+            </a:r>
+          </a:p>
+          <a:p>
+            <a:pPr marL="0" indent="0">
+              <a:buNone/>
+            </a:pPr>
+            <a:r>
+              <a:rPr lang="en-US" dirty="0" smtClean="0"/>
+              <a:t>		transform: </a:t>
+            </a:r>
+            <a:r>
+              <a:rPr lang="en-US" dirty="0" err="1" smtClean="0"/>
+              <a:t>rotateZ</a:t>
+            </a:r>
+            <a:r>
+              <a:rPr lang="en-US" dirty="0" smtClean="0"/>
+              <a:t>(270deg);</a:t>
+            </a:r>
+          </a:p>
+          <a:p>
+            <a:pPr marL="0" indent="0">
+              <a:buNone/>
+            </a:pPr>
+            <a:r>
+              <a:rPr lang="en-US" dirty="0" smtClean="0"/>
+              <a:t>	}</a:t>
+            </a:r>
+          </a:p>
+          <a:p>
+            <a:pPr marL="0" indent="0">
+              <a:buNone/>
+            </a:pPr>
+            <a:r>
+              <a:rPr lang="en-US" dirty="0" smtClean="0"/>
+              <a:t>	100% {</a:t>
+            </a:r>
+          </a:p>
+          <a:p>
+            <a:pPr marL="0" indent="0">
+              <a:buNone/>
+            </a:pPr>
+            <a:r>
+              <a:rPr lang="en-US" dirty="0"/>
+              <a:t>	</a:t>
+            </a:r>
+            <a:r>
+              <a:rPr lang="en-US" dirty="0" smtClean="0"/>
+              <a:t>	-</a:t>
+            </a:r>
+            <a:r>
+              <a:rPr lang="en-US" dirty="0" err="1" smtClean="0"/>
+              <a:t>ms</a:t>
+            </a:r>
+            <a:r>
+              <a:rPr lang="en-US" dirty="0" smtClean="0"/>
+              <a:t>-transform: </a:t>
+            </a:r>
+            <a:r>
+              <a:rPr lang="en-US" dirty="0" err="1" smtClean="0"/>
+              <a:t>rotateZ</a:t>
+            </a:r>
+            <a:r>
+              <a:rPr lang="en-US" dirty="0" smtClean="0"/>
+              <a:t>(360deg); /* IE 9 */</a:t>
+            </a:r>
+          </a:p>
+          <a:p>
+            <a:pPr marL="0" indent="0">
+              <a:buNone/>
+            </a:pPr>
+            <a:r>
+              <a:rPr lang="en-US" dirty="0" smtClean="0"/>
+              <a:t>		-</a:t>
+            </a:r>
+            <a:r>
+              <a:rPr lang="en-US" dirty="0" err="1" smtClean="0"/>
+              <a:t>webkit</a:t>
+            </a:r>
+            <a:r>
+              <a:rPr lang="en-US" dirty="0" smtClean="0"/>
+              <a:t>-transform: </a:t>
+            </a:r>
+            <a:r>
+              <a:rPr lang="en-US" dirty="0" err="1" smtClean="0"/>
+              <a:t>rotateZ</a:t>
+            </a:r>
+            <a:r>
+              <a:rPr lang="en-US" dirty="0" smtClean="0"/>
+              <a:t>(360deg); /* Safari and Chrome */</a:t>
+            </a:r>
+          </a:p>
+          <a:p>
+            <a:pPr marL="0" indent="0">
+              <a:buNone/>
+            </a:pPr>
+            <a:r>
+              <a:rPr lang="en-US" dirty="0" smtClean="0"/>
+              <a:t>		transform: </a:t>
+            </a:r>
+            <a:r>
+              <a:rPr lang="en-US" dirty="0" err="1" smtClean="0"/>
+              <a:t>rotateZ</a:t>
+            </a:r>
+            <a:r>
+              <a:rPr lang="en-US" dirty="0" smtClean="0"/>
+              <a:t>(360deg);</a:t>
+            </a:r>
+          </a:p>
+          <a:p>
+            <a:pPr marL="0" indent="0">
+              <a:buNone/>
+            </a:pPr>
+            <a:r>
+              <a:rPr lang="en-US" dirty="0" smtClean="0"/>
+              <a:t>	}</a:t>
+            </a:r>
+          </a:p>
+          <a:p>
+            <a:pPr marL="0" indent="0">
+              <a:buNone/>
+            </a:pPr>
+            <a:r>
+              <a:rPr lang="en-US" dirty="0" smtClean="0"/>
+              <a:t>}</a:t>
+            </a:r>
+            <a:endParaRPr lang="en-US" dirty="0"/>
           </a:p>
         </p:txBody>
       </p:sp>
     </p:spTree>
     <p:extLst>
       <p:ext uri="{BB962C8B-B14F-4D97-AF65-F5344CB8AC3E}">
-        <p14:creationId xmlns:p14="http://schemas.microsoft.com/office/powerpoint/2010/main" val="1709373773"/>
+        <p14:creationId xmlns:p14="http://schemas.microsoft.com/office/powerpoint/2010/main" val="1565160745"/>
       </p:ext>
     </p:extLst>
   </p:cSld>
